--- a/pwprojetG.pptx
+++ b/pwprojetG.pptx
@@ -271,7 +271,7 @@
           <a:p>
             <a:fld id="{4E3AB799-DCA4-44E5-824B-F91A5AFFC7AB}" type="datetimeFigureOut">
               <a:rPr lang="fr-FR" smtClean="0"/>
-              <a:t>02/03/2017</a:t>
+              <a:t>29/03/2017</a:t>
             </a:fld>
             <a:endParaRPr lang="fr-FR"/>
           </a:p>
@@ -441,7 +441,7 @@
           <a:p>
             <a:fld id="{4E3AB799-DCA4-44E5-824B-F91A5AFFC7AB}" type="datetimeFigureOut">
               <a:rPr lang="fr-FR" smtClean="0"/>
-              <a:t>02/03/2017</a:t>
+              <a:t>29/03/2017</a:t>
             </a:fld>
             <a:endParaRPr lang="fr-FR"/>
           </a:p>
@@ -621,7 +621,7 @@
           <a:p>
             <a:fld id="{4E3AB799-DCA4-44E5-824B-F91A5AFFC7AB}" type="datetimeFigureOut">
               <a:rPr lang="fr-FR" smtClean="0"/>
-              <a:t>02/03/2017</a:t>
+              <a:t>29/03/2017</a:t>
             </a:fld>
             <a:endParaRPr lang="fr-FR"/>
           </a:p>
@@ -791,7 +791,7 @@
           <a:p>
             <a:fld id="{4E3AB799-DCA4-44E5-824B-F91A5AFFC7AB}" type="datetimeFigureOut">
               <a:rPr lang="fr-FR" smtClean="0"/>
-              <a:t>02/03/2017</a:t>
+              <a:t>29/03/2017</a:t>
             </a:fld>
             <a:endParaRPr lang="fr-FR"/>
           </a:p>
@@ -1051,7 +1051,7 @@
           <a:p>
             <a:fld id="{4E3AB799-DCA4-44E5-824B-F91A5AFFC7AB}" type="datetimeFigureOut">
               <a:rPr lang="fr-FR" smtClean="0"/>
-              <a:t>02/03/2017</a:t>
+              <a:t>29/03/2017</a:t>
             </a:fld>
             <a:endParaRPr lang="fr-FR"/>
           </a:p>
@@ -1283,7 +1283,7 @@
           <a:p>
             <a:fld id="{4E3AB799-DCA4-44E5-824B-F91A5AFFC7AB}" type="datetimeFigureOut">
               <a:rPr lang="fr-FR" smtClean="0"/>
-              <a:t>02/03/2017</a:t>
+              <a:t>29/03/2017</a:t>
             </a:fld>
             <a:endParaRPr lang="fr-FR"/>
           </a:p>
@@ -1642,7 +1642,7 @@
           <a:p>
             <a:fld id="{4E3AB799-DCA4-44E5-824B-F91A5AFFC7AB}" type="datetimeFigureOut">
               <a:rPr lang="fr-FR" smtClean="0"/>
-              <a:t>02/03/2017</a:t>
+              <a:t>29/03/2017</a:t>
             </a:fld>
             <a:endParaRPr lang="fr-FR"/>
           </a:p>
@@ -1783,7 +1783,7 @@
           <a:p>
             <a:fld id="{4E3AB799-DCA4-44E5-824B-F91A5AFFC7AB}" type="datetimeFigureOut">
               <a:rPr lang="fr-FR" smtClean="0"/>
-              <a:t>02/03/2017</a:t>
+              <a:t>29/03/2017</a:t>
             </a:fld>
             <a:endParaRPr lang="fr-FR"/>
           </a:p>
@@ -1878,7 +1878,7 @@
           <a:p>
             <a:fld id="{4E3AB799-DCA4-44E5-824B-F91A5AFFC7AB}" type="datetimeFigureOut">
               <a:rPr lang="fr-FR" smtClean="0"/>
-              <a:t>02/03/2017</a:t>
+              <a:t>29/03/2017</a:t>
             </a:fld>
             <a:endParaRPr lang="fr-FR"/>
           </a:p>
@@ -2235,7 +2235,7 @@
           <a:p>
             <a:fld id="{4E3AB799-DCA4-44E5-824B-F91A5AFFC7AB}" type="datetimeFigureOut">
               <a:rPr lang="fr-FR" smtClean="0"/>
-              <a:t>02/03/2017</a:t>
+              <a:t>29/03/2017</a:t>
             </a:fld>
             <a:endParaRPr lang="fr-FR"/>
           </a:p>
@@ -2592,7 +2592,7 @@
           <a:p>
             <a:fld id="{4E3AB799-DCA4-44E5-824B-F91A5AFFC7AB}" type="datetimeFigureOut">
               <a:rPr lang="fr-FR" smtClean="0"/>
-              <a:t>02/03/2017</a:t>
+              <a:t>29/03/2017</a:t>
             </a:fld>
             <a:endParaRPr lang="fr-FR"/>
           </a:p>
@@ -2833,7 +2833,7 @@
           <a:p>
             <a:fld id="{4E3AB799-DCA4-44E5-824B-F91A5AFFC7AB}" type="datetimeFigureOut">
               <a:rPr lang="fr-FR" smtClean="0"/>
-              <a:t>02/03/2017</a:t>
+              <a:t>29/03/2017</a:t>
             </a:fld>
             <a:endParaRPr lang="fr-FR"/>
           </a:p>
@@ -3478,25 +3478,31 @@
           </a:p>
         </p:txBody>
       </p:sp>
-      <p:sp>
-        <p:nvSpPr>
-          <p:cNvPr id="3" name="Espace réservé du contenu 2"/>
-          <p:cNvSpPr>
-            <a:spLocks noGrp="1"/>
-          </p:cNvSpPr>
+      <p:pic>
+        <p:nvPicPr>
+          <p:cNvPr id="4" name="Espace réservé du contenu 3"/>
+          <p:cNvPicPr>
+            <a:picLocks noGrp="1" noChangeAspect="1"/>
+          </p:cNvPicPr>
           <p:nvPr>
             <p:ph idx="1"/>
           </p:nvPr>
-        </p:nvSpPr>
-        <p:spPr/>
-        <p:txBody>
-          <a:bodyPr/>
-          <a:lstStyle/>
-          <a:p>
-            <a:endParaRPr lang="fr-FR"/>
-          </a:p>
-        </p:txBody>
-      </p:sp>
+        </p:nvPicPr>
+        <p:blipFill rotWithShape="1">
+          <a:blip r:embed="rId2"/>
+          <a:srcRect l="3852" t="12890" r="27814" b="13672"/>
+          <a:stretch/>
+        </p:blipFill>
+        <p:spPr>
+          <a:xfrm>
+            <a:off x="1827556" y="1290320"/>
+            <a:ext cx="8638919" cy="5222240"/>
+          </a:xfrm>
+          <a:prstGeom prst="rect">
+            <a:avLst/>
+          </a:prstGeom>
+        </p:spPr>
+      </p:pic>
     </p:spTree>
     <p:extLst>
       <p:ext uri="{BB962C8B-B14F-4D97-AF65-F5344CB8AC3E}">

--- a/pwprojetG.pptx
+++ b/pwprojetG.pptx
@@ -9,7 +9,8 @@
     <p:sldId id="257" r:id="rId3"/>
     <p:sldId id="258" r:id="rId4"/>
     <p:sldId id="259" r:id="rId5"/>
-    <p:sldId id="260" r:id="rId6"/>
+    <p:sldId id="261" r:id="rId6"/>
+    <p:sldId id="260" r:id="rId7"/>
   </p:sldIdLst>
   <p:sldSz cx="12192000" cy="6858000"/>
   <p:notesSz cx="6858000" cy="9144000"/>
@@ -3455,7 +3456,7 @@
         <p:spPr>
           <a:xfrm>
             <a:off x="2231136" y="254524"/>
-            <a:ext cx="7729728" cy="688156"/>
+            <a:ext cx="7729728" cy="518474"/>
           </a:xfrm>
         </p:spPr>
         <p:txBody>
@@ -3495,7 +3496,7 @@
         </p:blipFill>
         <p:spPr>
           <a:xfrm>
-            <a:off x="1827556" y="1290320"/>
+            <a:off x="1776540" y="1101784"/>
             <a:ext cx="8638919" cy="5222240"/>
           </a:xfrm>
           <a:prstGeom prst="rect">
@@ -3545,8 +3546,8 @@
         </p:nvSpPr>
         <p:spPr>
           <a:xfrm>
-            <a:off x="2231136" y="219975"/>
-            <a:ext cx="7729728" cy="713279"/>
+            <a:off x="2231136" y="219976"/>
+            <a:ext cx="7729728" cy="515316"/>
           </a:xfrm>
         </p:spPr>
         <p:txBody>
@@ -3562,25 +3563,34 @@
           </a:p>
         </p:txBody>
       </p:sp>
-      <p:sp>
-        <p:nvSpPr>
-          <p:cNvPr id="3" name="Espace réservé du contenu 2"/>
-          <p:cNvSpPr>
-            <a:spLocks noGrp="1"/>
-          </p:cNvSpPr>
+      <p:pic>
+        <p:nvPicPr>
+          <p:cNvPr id="5" name="Espace réservé du contenu 4"/>
+          <p:cNvPicPr>
+            <a:picLocks noGrp="1" noChangeAspect="1"/>
+          </p:cNvPicPr>
           <p:nvPr>
             <p:ph idx="1"/>
           </p:nvPr>
-        </p:nvSpPr>
-        <p:spPr/>
-        <p:txBody>
-          <a:bodyPr/>
-          <a:lstStyle/>
-          <a:p>
-            <a:endParaRPr lang="fr-FR"/>
-          </a:p>
-        </p:txBody>
-      </p:sp>
+        </p:nvPicPr>
+        <p:blipFill rotWithShape="1">
+          <a:blip r:embed="rId2">
+            <a:extLst>
+              <a:ext uri="{28A0092B-C50C-407E-A947-70E740481C1C}">
+                <a14:useLocalDpi xmlns:a14="http://schemas.microsoft.com/office/drawing/2010/main" val="0"/>
+              </a:ext>
+            </a:extLst>
+          </a:blip>
+          <a:srcRect l="4211" t="13438" r="28194" b="12829"/>
+          <a:stretch/>
+        </p:blipFill>
+        <p:spPr>
+          <a:xfrm>
+            <a:off x="1805296" y="1050211"/>
+            <a:ext cx="8581408" cy="5250732"/>
+          </a:xfrm>
+        </p:spPr>
+      </p:pic>
     </p:spTree>
     <p:extLst>
       <p:ext uri="{BB962C8B-B14F-4D97-AF65-F5344CB8AC3E}">
@@ -3595,6 +3605,93 @@
 </file>
 
 <file path=ppt/slides/slide5.xml><?xml version="1.0" encoding="utf-8"?>
+<p:sld xmlns:a="http://schemas.openxmlformats.org/drawingml/2006/main" xmlns:r="http://schemas.openxmlformats.org/officeDocument/2006/relationships" xmlns:p="http://schemas.openxmlformats.org/presentationml/2006/main">
+  <p:cSld>
+    <p:spTree>
+      <p:nvGrpSpPr>
+        <p:cNvPr id="1" name=""/>
+        <p:cNvGrpSpPr/>
+        <p:nvPr/>
+      </p:nvGrpSpPr>
+      <p:grpSpPr>
+        <a:xfrm>
+          <a:off x="0" y="0"/>
+          <a:ext cx="0" cy="0"/>
+          <a:chOff x="0" y="0"/>
+          <a:chExt cx="0" cy="0"/>
+        </a:xfrm>
+      </p:grpSpPr>
+      <p:sp>
+        <p:nvSpPr>
+          <p:cNvPr id="2" name="Titre 1"/>
+          <p:cNvSpPr>
+            <a:spLocks noGrp="1"/>
+          </p:cNvSpPr>
+          <p:nvPr>
+            <p:ph type="title"/>
+          </p:nvPr>
+        </p:nvSpPr>
+        <p:spPr>
+          <a:xfrm>
+            <a:off x="2231136" y="201120"/>
+            <a:ext cx="7729728" cy="487037"/>
+          </a:xfrm>
+        </p:spPr>
+        <p:txBody>
+          <a:bodyPr>
+            <a:normAutofit fontScale="90000"/>
+          </a:bodyPr>
+          <a:lstStyle/>
+          <a:p>
+            <a:r>
+              <a:rPr lang="fr-FR" dirty="0"/>
+              <a:t>Voiture.java</a:t>
+            </a:r>
+          </a:p>
+        </p:txBody>
+      </p:sp>
+      <p:pic>
+        <p:nvPicPr>
+          <p:cNvPr id="7" name="Espace réservé du contenu 6"/>
+          <p:cNvPicPr>
+            <a:picLocks noGrp="1" noChangeAspect="1"/>
+          </p:cNvPicPr>
+          <p:nvPr>
+            <p:ph idx="1"/>
+          </p:nvPr>
+        </p:nvPicPr>
+        <p:blipFill rotWithShape="1">
+          <a:blip r:embed="rId2">
+            <a:extLst>
+              <a:ext uri="{28A0092B-C50C-407E-A947-70E740481C1C}">
+                <a14:useLocalDpi xmlns:a14="http://schemas.microsoft.com/office/drawing/2010/main" val="0"/>
+              </a:ext>
+            </a:extLst>
+          </a:blip>
+          <a:srcRect l="5065" t="12850" r="29721" b="10502"/>
+          <a:stretch/>
+        </p:blipFill>
+        <p:spPr>
+          <a:xfrm>
+            <a:off x="1859819" y="968276"/>
+            <a:ext cx="8472361" cy="5601403"/>
+          </a:xfrm>
+        </p:spPr>
+      </p:pic>
+    </p:spTree>
+    <p:extLst>
+      <p:ext uri="{BB962C8B-B14F-4D97-AF65-F5344CB8AC3E}">
+        <p14:creationId xmlns:p14="http://schemas.microsoft.com/office/powerpoint/2010/main" val="3163992431"/>
+      </p:ext>
+    </p:extLst>
+  </p:cSld>
+  <p:clrMapOvr>
+    <a:masterClrMapping/>
+  </p:clrMapOvr>
+</p:sld>
+</file>
+
+<file path=ppt/slides/slide6.xml><?xml version="1.0" encoding="utf-8"?>
 <p:sld xmlns:a="http://schemas.openxmlformats.org/drawingml/2006/main" xmlns:r="http://schemas.openxmlformats.org/officeDocument/2006/relationships" xmlns:p="http://schemas.openxmlformats.org/presentationml/2006/main">
   <p:cSld>
     <p:spTree>

--- a/pwprojetG.pptx
+++ b/pwprojetG.pptx
@@ -6,10 +6,11 @@
   </p:sldMasterIdLst>
   <p:sldIdLst>
     <p:sldId id="256" r:id="rId2"/>
-    <p:sldId id="257" r:id="rId3"/>
-    <p:sldId id="258" r:id="rId4"/>
-    <p:sldId id="259" r:id="rId5"/>
-    <p:sldId id="260" r:id="rId6"/>
+    <p:sldId id="261" r:id="rId3"/>
+    <p:sldId id="257" r:id="rId4"/>
+    <p:sldId id="258" r:id="rId5"/>
+    <p:sldId id="259" r:id="rId6"/>
+    <p:sldId id="260" r:id="rId7"/>
   </p:sldIdLst>
   <p:sldSz cx="12192000" cy="6858000"/>
   <p:notesSz cx="6858000" cy="9144000"/>
@@ -3376,6 +3377,95 @@
         </p:nvSpPr>
         <p:spPr>
           <a:xfrm>
+            <a:off x="2845386" y="414778"/>
+            <a:ext cx="6501227" cy="729965"/>
+          </a:xfrm>
+        </p:spPr>
+        <p:txBody>
+          <a:bodyPr>
+            <a:normAutofit fontScale="90000"/>
+          </a:bodyPr>
+          <a:lstStyle/>
+          <a:p>
+            <a:r>
+              <a:rPr lang="fr-FR" dirty="0"/>
+              <a:t>SOMMAIRE</a:t>
+            </a:r>
+          </a:p>
+        </p:txBody>
+      </p:sp>
+      <p:sp>
+        <p:nvSpPr>
+          <p:cNvPr id="3" name="Espace réservé du contenu 2"/>
+          <p:cNvSpPr>
+            <a:spLocks noGrp="1"/>
+          </p:cNvSpPr>
+          <p:nvPr>
+            <p:ph idx="1"/>
+          </p:nvPr>
+        </p:nvSpPr>
+        <p:spPr>
+          <a:xfrm>
+            <a:off x="1194187" y="1619950"/>
+            <a:ext cx="9863453" cy="4761996"/>
+          </a:xfrm>
+        </p:spPr>
+        <p:txBody>
+          <a:bodyPr/>
+          <a:lstStyle/>
+          <a:p>
+            <a:r>
+              <a:rPr lang="fr-FR" dirty="0"/>
+              <a:t>Main.java</a:t>
+            </a:r>
+          </a:p>
+          <a:p>
+            <a:endParaRPr lang="fr-FR" dirty="0"/>
+          </a:p>
+        </p:txBody>
+      </p:sp>
+    </p:spTree>
+    <p:extLst>
+      <p:ext uri="{BB962C8B-B14F-4D97-AF65-F5344CB8AC3E}">
+        <p14:creationId xmlns:p14="http://schemas.microsoft.com/office/powerpoint/2010/main" val="4242359604"/>
+      </p:ext>
+    </p:extLst>
+  </p:cSld>
+  <p:clrMapOvr>
+    <a:masterClrMapping/>
+  </p:clrMapOvr>
+</p:sld>
+</file>
+
+<file path=ppt/slides/slide3.xml><?xml version="1.0" encoding="utf-8"?>
+<p:sld xmlns:a="http://schemas.openxmlformats.org/drawingml/2006/main" xmlns:r="http://schemas.openxmlformats.org/officeDocument/2006/relationships" xmlns:p="http://schemas.openxmlformats.org/presentationml/2006/main">
+  <p:cSld>
+    <p:spTree>
+      <p:nvGrpSpPr>
+        <p:cNvPr id="1" name=""/>
+        <p:cNvGrpSpPr/>
+        <p:nvPr/>
+      </p:nvGrpSpPr>
+      <p:grpSpPr>
+        <a:xfrm>
+          <a:off x="0" y="0"/>
+          <a:ext cx="0" cy="0"/>
+          <a:chOff x="0" y="0"/>
+          <a:chExt cx="0" cy="0"/>
+        </a:xfrm>
+      </p:grpSpPr>
+      <p:sp>
+        <p:nvSpPr>
+          <p:cNvPr id="2" name="Titre 1"/>
+          <p:cNvSpPr>
+            <a:spLocks noGrp="1"/>
+          </p:cNvSpPr>
+          <p:nvPr>
+            <p:ph type="title"/>
+          </p:nvPr>
+        </p:nvSpPr>
+        <p:spPr>
+          <a:xfrm>
             <a:off x="2118014" y="295390"/>
             <a:ext cx="7729728" cy="666144"/>
           </a:xfrm>
@@ -3425,7 +3515,7 @@
 </p:sld>
 </file>
 
-<file path=ppt/slides/slide3.xml><?xml version="1.0" encoding="utf-8"?>
+<file path=ppt/slides/slide4.xml><?xml version="1.0" encoding="utf-8"?>
 <p:sld xmlns:a="http://schemas.openxmlformats.org/drawingml/2006/main" xmlns:r="http://schemas.openxmlformats.org/officeDocument/2006/relationships" xmlns:p="http://schemas.openxmlformats.org/presentationml/2006/main">
   <p:cSld>
     <p:spTree>
@@ -3516,7 +3606,7 @@
 </p:sld>
 </file>
 
-<file path=ppt/slides/slide4.xml><?xml version="1.0" encoding="utf-8"?>
+<file path=ppt/slides/slide5.xml><?xml version="1.0" encoding="utf-8"?>
 <p:sld xmlns:a="http://schemas.openxmlformats.org/drawingml/2006/main" xmlns:r="http://schemas.openxmlformats.org/officeDocument/2006/relationships" xmlns:p="http://schemas.openxmlformats.org/presentationml/2006/main">
   <p:cSld>
     <p:spTree>
@@ -3594,7 +3684,7 @@
 </p:sld>
 </file>
 
-<file path=ppt/slides/slide5.xml><?xml version="1.0" encoding="utf-8"?>
+<file path=ppt/slides/slide6.xml><?xml version="1.0" encoding="utf-8"?>
 <p:sld xmlns:a="http://schemas.openxmlformats.org/drawingml/2006/main" xmlns:r="http://schemas.openxmlformats.org/officeDocument/2006/relationships" xmlns:p="http://schemas.openxmlformats.org/presentationml/2006/main">
   <p:cSld>
     <p:spTree>
